--- a/translations/es/advanced/ProportionalControl.pptx
+++ b/translations/es/advanced/ProportionalControl.pptx
@@ -5,10 +5,10 @@
     <p:sldMasterId id="2147483818" r:id="rId1"/>
   </p:sldMasterIdLst>
   <p:notesMasterIdLst>
-    <p:notesMasterId r:id="rId14"/>
+    <p:notesMasterId r:id="rId12"/>
   </p:notesMasterIdLst>
   <p:handoutMasterIdLst>
-    <p:handoutMasterId r:id="rId15"/>
+    <p:handoutMasterId r:id="rId13"/>
   </p:handoutMasterIdLst>
   <p:sldIdLst>
     <p:sldId id="258" r:id="rId2"/>
@@ -19,10 +19,8 @@
     <p:sldId id="278" r:id="rId7"/>
     <p:sldId id="279" r:id="rId8"/>
     <p:sldId id="280" r:id="rId9"/>
-    <p:sldId id="281" r:id="rId10"/>
-    <p:sldId id="282" r:id="rId11"/>
-    <p:sldId id="284" r:id="rId12"/>
-    <p:sldId id="274" r:id="rId13"/>
+    <p:sldId id="284" r:id="rId10"/>
+    <p:sldId id="274" r:id="rId11"/>
   </p:sldIdLst>
   <p:sldSz cx="9144000" cy="6858000" type="screen4x3"/>
   <p:notesSz cx="6858000" cy="9144000"/>
@@ -123,7 +121,7 @@
   </p:defaultTextStyle>
   <p:extLst>
     <p:ext uri="{EFAFB233-063F-42B5-8137-9DF3F51BA10A}">
-      <p15:sldGuideLst xmlns="" xmlns:p15="http://schemas.microsoft.com/office/powerpoint/2012/main">
+      <p15:sldGuideLst xmlns:p15="http://schemas.microsoft.com/office/powerpoint/2012/main">
         <p15:guide id="1" orient="horz" pos="2160">
           <p15:clr>
             <a:srgbClr val="A4A3A4"/>
@@ -223,7 +221,7 @@
             <a:fld id="{E354B44E-40A3-0E46-B16A-9BF1250A248B}" type="datetimeFigureOut">
               <a:rPr lang="en-US" smtClean="0"/>
               <a:pPr/>
-              <a:t>5/30/2015</a:t>
+              <a:t>12/19/15</a:t>
             </a:fld>
             <a:endParaRPr lang="en-US"/>
           </a:p>
@@ -290,7 +288,7 @@
             <a:fld id="{ACDF1604-CF25-2840-A4A3-96CDE3604995}" type="slidenum">
               <a:rPr lang="en-US" smtClean="0"/>
               <a:pPr/>
-              <a:t>‹Nº›</a:t>
+              <a:t>‹#›</a:t>
             </a:fld>
             <a:endParaRPr lang="en-US"/>
           </a:p>
@@ -299,7 +297,7 @@
     </p:spTree>
     <p:extLst>
       <p:ext uri="{BB962C8B-B14F-4D97-AF65-F5344CB8AC3E}">
-        <p14:creationId xmlns="" xmlns:p14="http://schemas.microsoft.com/office/powerpoint/2010/main" val="1756357811"/>
+        <p14:creationId xmlns:p14="http://schemas.microsoft.com/office/powerpoint/2010/main" val="1756357811"/>
       </p:ext>
     </p:extLst>
   </p:cSld>
@@ -391,7 +389,7 @@
             <a:fld id="{C86AD16C-2DB4-6642-BAD4-9ED973A087A0}" type="datetimeFigureOut">
               <a:rPr lang="en-US" smtClean="0"/>
               <a:pPr/>
-              <a:t>5/30/2015</a:t>
+              <a:t>12/19/15</a:t>
             </a:fld>
             <a:endParaRPr lang="en-US"/>
           </a:p>
@@ -551,7 +549,7 @@
             <a:fld id="{1E5BF589-3978-3C45-966B-D7B7A71F2A02}" type="slidenum">
               <a:rPr lang="en-US" smtClean="0"/>
               <a:pPr/>
-              <a:t>‹Nº›</a:t>
+              <a:t>‹#›</a:t>
             </a:fld>
             <a:endParaRPr lang="en-US"/>
           </a:p>
@@ -560,7 +558,7 @@
     </p:spTree>
     <p:extLst>
       <p:ext uri="{BB962C8B-B14F-4D97-AF65-F5344CB8AC3E}">
-        <p14:creationId xmlns="" xmlns:p14="http://schemas.microsoft.com/office/powerpoint/2010/main" val="3178841664"/>
+        <p14:creationId xmlns:p14="http://schemas.microsoft.com/office/powerpoint/2010/main" val="3178841664"/>
       </p:ext>
     </p:extLst>
   </p:cSld>
@@ -736,7 +734,7 @@
     </p:spTree>
     <p:extLst>
       <p:ext uri="{BB962C8B-B14F-4D97-AF65-F5344CB8AC3E}">
-        <p14:creationId xmlns="" xmlns:p14="http://schemas.microsoft.com/office/powerpoint/2010/main" val="1994090513"/>
+        <p14:creationId xmlns:p14="http://schemas.microsoft.com/office/powerpoint/2010/main" val="1994090513"/>
       </p:ext>
     </p:extLst>
   </p:cSld>
@@ -765,7 +763,7 @@
       </p:grpSpPr>
       <p:sp>
         <p:nvSpPr>
-          <p:cNvPr id="2" name="1 Marcador de imagen de diapositiva"/>
+          <p:cNvPr id="2" name="Slide Image Placeholder 1"/>
           <p:cNvSpPr>
             <a:spLocks noGrp="1" noRot="1" noChangeAspect="1"/>
           </p:cNvSpPr>
@@ -777,33 +775,12 @@
       </p:sp>
       <p:sp>
         <p:nvSpPr>
-          <p:cNvPr id="3" name="2 Marcador de notas"/>
+          <p:cNvPr id="3" name="Notes Placeholder 2"/>
           <p:cNvSpPr>
             <a:spLocks noGrp="1"/>
           </p:cNvSpPr>
           <p:nvPr>
             <p:ph type="body" idx="1"/>
-          </p:nvPr>
-        </p:nvSpPr>
-        <p:spPr/>
-        <p:txBody>
-          <a:bodyPr>
-            <a:normAutofit/>
-          </a:bodyPr>
-          <a:lstStyle/>
-          <a:p>
-            <a:endParaRPr lang="ca-ES" dirty="0"/>
-          </a:p>
-        </p:txBody>
-      </p:sp>
-      <p:sp>
-        <p:nvSpPr>
-          <p:cNvPr id="4" name="3 Marcador de número de diapositiva"/>
-          <p:cNvSpPr>
-            <a:spLocks noGrp="1"/>
-          </p:cNvSpPr>
-          <p:nvPr>
-            <p:ph type="sldNum" sz="quarter" idx="10"/>
           </p:nvPr>
         </p:nvSpPr>
         <p:spPr/>
@@ -811,16 +788,40 @@
           <a:bodyPr/>
           <a:lstStyle/>
           <a:p>
+            <a:endParaRPr lang="en-US"/>
+          </a:p>
+        </p:txBody>
+      </p:sp>
+      <p:sp>
+        <p:nvSpPr>
+          <p:cNvPr id="4" name="Slide Number Placeholder 3"/>
+          <p:cNvSpPr>
+            <a:spLocks noGrp="1"/>
+          </p:cNvSpPr>
+          <p:nvPr>
+            <p:ph type="sldNum" sz="quarter" idx="10"/>
+          </p:nvPr>
+        </p:nvSpPr>
+        <p:spPr/>
+        <p:txBody>
+          <a:bodyPr/>
+          <a:lstStyle/>
+          <a:p>
             <a:fld id="{1E5BF589-3978-3C45-966B-D7B7A71F2A02}" type="slidenum">
               <a:rPr lang="en-US" smtClean="0"/>
               <a:pPr/>
-              <a:t>4</a:t>
+              <a:t>2</a:t>
             </a:fld>
             <a:endParaRPr lang="en-US"/>
           </a:p>
         </p:txBody>
       </p:sp>
     </p:spTree>
+    <p:extLst>
+      <p:ext uri="{BB962C8B-B14F-4D97-AF65-F5344CB8AC3E}">
+        <p14:creationId xmlns:p14="http://schemas.microsoft.com/office/powerpoint/2010/main" val="770573890"/>
+      </p:ext>
+    </p:extLst>
   </p:cSld>
   <p:clrMapOvr>
     <a:masterClrMapping/>
@@ -896,13 +897,18 @@
             <a:fld id="{1E5BF589-3978-3C45-966B-D7B7A71F2A02}" type="slidenum">
               <a:rPr lang="en-US" smtClean="0"/>
               <a:pPr/>
-              <a:t>8</a:t>
+              <a:t>4</a:t>
             </a:fld>
             <a:endParaRPr lang="en-US"/>
           </a:p>
         </p:txBody>
       </p:sp>
     </p:spTree>
+    <p:extLst>
+      <p:ext uri="{BB962C8B-B14F-4D97-AF65-F5344CB8AC3E}">
+        <p14:creationId xmlns:p14="http://schemas.microsoft.com/office/powerpoint/2010/main" val="400706677"/>
+      </p:ext>
+    </p:extLst>
   </p:cSld>
   <p:clrMapOvr>
     <a:masterClrMapping/>
@@ -929,7 +935,7 @@
       </p:grpSpPr>
       <p:sp>
         <p:nvSpPr>
-          <p:cNvPr id="2" name="Slide Image Placeholder 1"/>
+          <p:cNvPr id="2" name="1 Marcador de imagen de diapositiva"/>
           <p:cNvSpPr>
             <a:spLocks noGrp="1" noRot="1" noChangeAspect="1"/>
           </p:cNvSpPr>
@@ -941,12 +947,33 @@
       </p:sp>
       <p:sp>
         <p:nvSpPr>
-          <p:cNvPr id="3" name="Notes Placeholder 2"/>
+          <p:cNvPr id="3" name="2 Marcador de notas"/>
           <p:cNvSpPr>
             <a:spLocks noGrp="1"/>
           </p:cNvSpPr>
           <p:nvPr>
             <p:ph type="body" idx="1"/>
+          </p:nvPr>
+        </p:nvSpPr>
+        <p:spPr/>
+        <p:txBody>
+          <a:bodyPr>
+            <a:normAutofit/>
+          </a:bodyPr>
+          <a:lstStyle/>
+          <a:p>
+            <a:endParaRPr lang="ca-ES" dirty="0"/>
+          </a:p>
+        </p:txBody>
+      </p:sp>
+      <p:sp>
+        <p:nvSpPr>
+          <p:cNvPr id="4" name="3 Marcador de número de diapositiva"/>
+          <p:cNvSpPr>
+            <a:spLocks noGrp="1"/>
+          </p:cNvSpPr>
+          <p:nvPr>
+            <p:ph type="sldNum" sz="quarter" idx="10"/>
           </p:nvPr>
         </p:nvSpPr>
         <p:spPr/>
@@ -954,29 +981,10 @@
           <a:bodyPr/>
           <a:lstStyle/>
           <a:p>
-            <a:endParaRPr lang="en-US"/>
-          </a:p>
-        </p:txBody>
-      </p:sp>
-      <p:sp>
-        <p:nvSpPr>
-          <p:cNvPr id="4" name="Slide Number Placeholder 3"/>
-          <p:cNvSpPr>
-            <a:spLocks noGrp="1"/>
-          </p:cNvSpPr>
-          <p:nvPr>
-            <p:ph type="sldNum" sz="quarter" idx="10"/>
-          </p:nvPr>
-        </p:nvSpPr>
-        <p:spPr/>
-        <p:txBody>
-          <a:bodyPr/>
-          <a:lstStyle/>
-          <a:p>
             <a:fld id="{1E5BF589-3978-3C45-966B-D7B7A71F2A02}" type="slidenum">
               <a:rPr lang="en-US" smtClean="0"/>
               <a:pPr/>
-              <a:t>12</a:t>
+              <a:t>8</a:t>
             </a:fld>
             <a:endParaRPr lang="en-US"/>
           </a:p>
@@ -985,7 +993,92 @@
     </p:spTree>
     <p:extLst>
       <p:ext uri="{BB962C8B-B14F-4D97-AF65-F5344CB8AC3E}">
-        <p14:creationId xmlns="" xmlns:p14="http://schemas.microsoft.com/office/powerpoint/2010/main" val="1249507993"/>
+        <p14:creationId xmlns:p14="http://schemas.microsoft.com/office/powerpoint/2010/main" val="168403347"/>
+      </p:ext>
+    </p:extLst>
+  </p:cSld>
+  <p:clrMapOvr>
+    <a:masterClrMapping/>
+  </p:clrMapOvr>
+</p:notes>
+</file>
+
+<file path=ppt/notesSlides/notesSlide5.xml><?xml version="1.0" encoding="utf-8"?>
+<p:notes xmlns:a="http://schemas.openxmlformats.org/drawingml/2006/main" xmlns:r="http://schemas.openxmlformats.org/officeDocument/2006/relationships" xmlns:p="http://schemas.openxmlformats.org/presentationml/2006/main">
+  <p:cSld>
+    <p:spTree>
+      <p:nvGrpSpPr>
+        <p:cNvPr id="1" name=""/>
+        <p:cNvGrpSpPr/>
+        <p:nvPr/>
+      </p:nvGrpSpPr>
+      <p:grpSpPr>
+        <a:xfrm>
+          <a:off x="0" y="0"/>
+          <a:ext cx="0" cy="0"/>
+          <a:chOff x="0" y="0"/>
+          <a:chExt cx="0" cy="0"/>
+        </a:xfrm>
+      </p:grpSpPr>
+      <p:sp>
+        <p:nvSpPr>
+          <p:cNvPr id="2" name="Slide Image Placeholder 1"/>
+          <p:cNvSpPr>
+            <a:spLocks noGrp="1" noRot="1" noChangeAspect="1"/>
+          </p:cNvSpPr>
+          <p:nvPr>
+            <p:ph type="sldImg"/>
+          </p:nvPr>
+        </p:nvSpPr>
+        <p:spPr/>
+      </p:sp>
+      <p:sp>
+        <p:nvSpPr>
+          <p:cNvPr id="3" name="Notes Placeholder 2"/>
+          <p:cNvSpPr>
+            <a:spLocks noGrp="1"/>
+          </p:cNvSpPr>
+          <p:nvPr>
+            <p:ph type="body" idx="1"/>
+          </p:nvPr>
+        </p:nvSpPr>
+        <p:spPr/>
+        <p:txBody>
+          <a:bodyPr/>
+          <a:lstStyle/>
+          <a:p>
+            <a:endParaRPr lang="en-US"/>
+          </a:p>
+        </p:txBody>
+      </p:sp>
+      <p:sp>
+        <p:nvSpPr>
+          <p:cNvPr id="4" name="Slide Number Placeholder 3"/>
+          <p:cNvSpPr>
+            <a:spLocks noGrp="1"/>
+          </p:cNvSpPr>
+          <p:nvPr>
+            <p:ph type="sldNum" sz="quarter" idx="10"/>
+          </p:nvPr>
+        </p:nvSpPr>
+        <p:spPr/>
+        <p:txBody>
+          <a:bodyPr/>
+          <a:lstStyle/>
+          <a:p>
+            <a:fld id="{1E5BF589-3978-3C45-966B-D7B7A71F2A02}" type="slidenum">
+              <a:rPr lang="en-US" smtClean="0"/>
+              <a:pPr/>
+              <a:t>10</a:t>
+            </a:fld>
+            <a:endParaRPr lang="en-US"/>
+          </a:p>
+        </p:txBody>
+      </p:sp>
+    </p:spTree>
+    <p:extLst>
+      <p:ext uri="{BB962C8B-B14F-4D97-AF65-F5344CB8AC3E}">
+        <p14:creationId xmlns:p14="http://schemas.microsoft.com/office/powerpoint/2010/main" val="1249507993"/>
       </p:ext>
     </p:extLst>
   </p:cSld>
@@ -1027,10 +1120,9 @@
           <a:bodyPr/>
           <a:lstStyle/>
           <a:p>
-            <a:fld id="{9129F86A-33B4-D74F-9987-734DF519D0A5}" type="datetime1">
-              <a:rPr lang="en-US" smtClean="0"/>
-              <a:pPr/>
-              <a:t>5/30/2015</a:t>
+            <a:fld id="{C0897EDC-4747-7A44-BE0A-096E57B14C38}" type="datetime1">
+              <a:rPr lang="en-US" smtClean="0"/>
+              <a:t>12/19/15</a:t>
             </a:fld>
             <a:endParaRPr lang="en-US"/>
           </a:p>
@@ -1052,8 +1144,8 @@
           <a:lstStyle/>
           <a:p>
             <a:r>
-              <a:rPr lang="en-US" smtClean="0"/>
-              <a:t>© 2015 EV3Lessons.com, Last edit 4/5/2015</a:t>
+              <a:rPr lang="sk-SK" smtClean="0"/>
+              <a:t>© 2015 EV3Lessons.com, Last edit 12/19/2015</a:t>
             </a:r>
             <a:endParaRPr lang="en-US"/>
           </a:p>
@@ -1077,7 +1169,7 @@
             <a:fld id="{7F5CE407-6216-4202-80E4-A30DC2F709B2}" type="slidenum">
               <a:rPr lang="en-US" smtClean="0"/>
               <a:pPr/>
-              <a:t>‹Nº›</a:t>
+              <a:t>‹#›</a:t>
             </a:fld>
             <a:endParaRPr lang="en-US"/>
           </a:p>
@@ -1758,10 +1850,9 @@
           <a:bodyPr/>
           <a:lstStyle/>
           <a:p>
-            <a:fld id="{66F53F03-396B-BC4A-842C-AEAC65EFE737}" type="datetime1">
-              <a:rPr lang="en-US" smtClean="0"/>
-              <a:pPr/>
-              <a:t>5/30/2015</a:t>
+            <a:fld id="{8E412700-61A2-284F-8AE9-34A43918F8FA}" type="datetime1">
+              <a:rPr lang="en-US" smtClean="0"/>
+              <a:t>12/19/15</a:t>
             </a:fld>
             <a:endParaRPr lang="en-US"/>
           </a:p>
@@ -1783,8 +1874,8 @@
           <a:lstStyle/>
           <a:p>
             <a:r>
-              <a:rPr lang="en-US" smtClean="0"/>
-              <a:t>© 2015 EV3Lessons.com, Last edit 4/5/2015</a:t>
+              <a:rPr lang="sk-SK" smtClean="0"/>
+              <a:t>© 2015 EV3Lessons.com, Last edit 12/19/2015</a:t>
             </a:r>
             <a:endParaRPr lang="en-US"/>
           </a:p>
@@ -1808,7 +1899,7 @@
             <a:fld id="{7F5CE407-6216-4202-80E4-A30DC2F709B2}" type="slidenum">
               <a:rPr lang="en-US" smtClean="0"/>
               <a:pPr/>
-              <a:t>‹Nº›</a:t>
+              <a:t>‹#›</a:t>
             </a:fld>
             <a:endParaRPr lang="en-US"/>
           </a:p>
@@ -2395,10 +2486,9 @@
           <a:bodyPr/>
           <a:lstStyle/>
           <a:p>
-            <a:fld id="{E1D6C9C7-E20F-9A45-8245-DC3F9D786436}" type="datetime1">
-              <a:rPr lang="en-US" smtClean="0"/>
-              <a:pPr/>
-              <a:t>5/30/2015</a:t>
+            <a:fld id="{E1AA76D8-F12F-F242-B682-C3078F696F03}" type="datetime1">
+              <a:rPr lang="en-US" smtClean="0"/>
+              <a:t>12/19/15</a:t>
             </a:fld>
             <a:endParaRPr lang="en-US"/>
           </a:p>
@@ -2420,8 +2510,8 @@
           <a:lstStyle/>
           <a:p>
             <a:r>
-              <a:rPr lang="en-US" smtClean="0"/>
-              <a:t>© 2015 EV3Lessons.com, Last edit 4/5/2015</a:t>
+              <a:rPr lang="sk-SK" smtClean="0"/>
+              <a:t>© 2015 EV3Lessons.com, Last edit 12/19/2015</a:t>
             </a:r>
             <a:endParaRPr lang="en-US"/>
           </a:p>
@@ -2445,7 +2535,7 @@
             <a:fld id="{4382A7F7-08BF-4252-8141-63FB96055BBB}" type="slidenum">
               <a:rPr lang="en-US" smtClean="0"/>
               <a:pPr/>
-              <a:t>‹Nº›</a:t>
+              <a:t>‹#›</a:t>
             </a:fld>
             <a:endParaRPr lang="en-US"/>
           </a:p>
@@ -2831,10 +2921,9 @@
           <a:bodyPr/>
           <a:lstStyle/>
           <a:p>
-            <a:fld id="{C39BFD58-8232-C74B-949C-AFC788831596}" type="datetime1">
-              <a:rPr lang="en-US" smtClean="0"/>
-              <a:pPr/>
-              <a:t>5/30/2015</a:t>
+            <a:fld id="{0B0DDB18-A1A8-5048-A971-CCF269DA33A9}" type="datetime1">
+              <a:rPr lang="en-US" smtClean="0"/>
+              <a:t>12/19/15</a:t>
             </a:fld>
             <a:endParaRPr lang="en-US" dirty="0"/>
           </a:p>
@@ -2856,8 +2945,8 @@
           <a:lstStyle/>
           <a:p>
             <a:r>
-              <a:rPr lang="en-US" smtClean="0"/>
-              <a:t>© 2015 EV3Lessons.com, Last edit 4/5/2015</a:t>
+              <a:rPr lang="sk-SK" smtClean="0"/>
+              <a:t>© 2015 EV3Lessons.com, Last edit 12/19/2015</a:t>
             </a:r>
             <a:endParaRPr lang="en-US" dirty="0"/>
           </a:p>
@@ -2881,7 +2970,7 @@
             <a:fld id="{4382A7F7-08BF-4252-8141-63FB96055BBB}" type="slidenum">
               <a:rPr lang="en-US" smtClean="0"/>
               <a:pPr/>
-              <a:t>‹Nº›</a:t>
+              <a:t>‹#›</a:t>
             </a:fld>
             <a:endParaRPr lang="en-US"/>
           </a:p>
@@ -3021,10 +3110,9 @@
           <a:bodyPr/>
           <a:lstStyle/>
           <a:p>
-            <a:fld id="{BDD3EB2E-EC30-C24A-A93C-53FC8EAD0A39}" type="datetime1">
-              <a:rPr lang="en-US" smtClean="0"/>
-              <a:pPr/>
-              <a:t>5/30/2015</a:t>
+            <a:fld id="{75381BB5-3919-404C-B6FD-3204CD566B01}" type="datetime1">
+              <a:rPr lang="en-US" smtClean="0"/>
+              <a:t>12/19/15</a:t>
             </a:fld>
             <a:endParaRPr lang="en-US" dirty="0"/>
           </a:p>
@@ -3046,8 +3134,8 @@
           <a:lstStyle/>
           <a:p>
             <a:r>
-              <a:rPr lang="en-US" smtClean="0"/>
-              <a:t>© 2015 EV3Lessons.com, Last edit 4/5/2015</a:t>
+              <a:rPr lang="sk-SK" smtClean="0"/>
+              <a:t>© 2015 EV3Lessons.com, Last edit 12/19/2015</a:t>
             </a:r>
             <a:endParaRPr lang="en-US" dirty="0"/>
           </a:p>
@@ -3071,7 +3159,7 @@
             <a:fld id="{4382A7F7-08BF-4252-8141-63FB96055BBB}" type="slidenum">
               <a:rPr lang="en-US" smtClean="0"/>
               <a:pPr/>
-              <a:t>‹Nº›</a:t>
+              <a:t>‹#›</a:t>
             </a:fld>
             <a:endParaRPr lang="en-US"/>
           </a:p>
@@ -3851,10 +3939,9 @@
           <a:bodyPr/>
           <a:lstStyle/>
           <a:p>
-            <a:fld id="{453399D2-AD57-8F49-B5F2-A650E7B690D5}" type="datetime1">
-              <a:rPr lang="en-US" smtClean="0"/>
-              <a:pPr/>
-              <a:t>5/30/2015</a:t>
+            <a:fld id="{CD2B1F30-709F-7E48-A7EC-1C92E0B7D89E}" type="datetime1">
+              <a:rPr lang="en-US" smtClean="0"/>
+              <a:t>12/19/15</a:t>
             </a:fld>
             <a:endParaRPr lang="en-US" dirty="0"/>
           </a:p>
@@ -3876,8 +3963,8 @@
           <a:lstStyle/>
           <a:p>
             <a:r>
-              <a:rPr lang="en-US" smtClean="0"/>
-              <a:t>© 2015 EV3Lessons.com, Last edit 4/5/2015</a:t>
+              <a:rPr lang="sk-SK" smtClean="0"/>
+              <a:t>© 2015 EV3Lessons.com, Last edit 12/19/2015</a:t>
             </a:r>
             <a:endParaRPr lang="en-US" dirty="0"/>
           </a:p>
@@ -3901,7 +3988,7 @@
             <a:fld id="{4382A7F7-08BF-4252-8141-63FB96055BBB}" type="slidenum">
               <a:rPr lang="en-US" smtClean="0"/>
               <a:pPr/>
-              <a:t>‹Nº›</a:t>
+              <a:t>‹#›</a:t>
             </a:fld>
             <a:endParaRPr lang="en-US"/>
           </a:p>
@@ -4375,10 +4462,9 @@
           <a:bodyPr/>
           <a:lstStyle/>
           <a:p>
-            <a:fld id="{4BA39F55-C25A-CA4A-BF58-734A11B83A1D}" type="datetime1">
-              <a:rPr lang="en-US" smtClean="0"/>
-              <a:pPr/>
-              <a:t>5/30/2015</a:t>
+            <a:fld id="{0D9D6FCE-5A01-3541-AFDA-3139710E0A18}" type="datetime1">
+              <a:rPr lang="en-US" smtClean="0"/>
+              <a:t>12/19/15</a:t>
             </a:fld>
             <a:endParaRPr lang="en-US"/>
           </a:p>
@@ -4400,8 +4486,8 @@
           <a:lstStyle/>
           <a:p>
             <a:r>
-              <a:rPr lang="en-US" smtClean="0"/>
-              <a:t>© 2015 EV3Lessons.com, Last edit 4/5/2015</a:t>
+              <a:rPr lang="sk-SK" smtClean="0"/>
+              <a:t>© 2015 EV3Lessons.com, Last edit 12/19/2015</a:t>
             </a:r>
             <a:endParaRPr lang="en-US"/>
           </a:p>
@@ -4425,7 +4511,7 @@
             <a:fld id="{4382A7F7-08BF-4252-8141-63FB96055BBB}" type="slidenum">
               <a:rPr lang="en-US" smtClean="0"/>
               <a:pPr/>
-              <a:t>‹Nº›</a:t>
+              <a:t>‹#›</a:t>
             </a:fld>
             <a:endParaRPr lang="en-US"/>
           </a:p>
@@ -4621,10 +4707,9 @@
           <a:bodyPr/>
           <a:lstStyle/>
           <a:p>
-            <a:fld id="{C1839B01-671B-0644-892A-BD04E675EDCA}" type="datetime1">
-              <a:rPr lang="en-US" smtClean="0"/>
-              <a:pPr/>
-              <a:t>5/30/2015</a:t>
+            <a:fld id="{7BF03695-FEE8-E742-91C0-9B856B77A230}" type="datetime1">
+              <a:rPr lang="en-US" smtClean="0"/>
+              <a:t>12/19/15</a:t>
             </a:fld>
             <a:endParaRPr lang="en-US"/>
           </a:p>
@@ -4646,8 +4731,8 @@
           <a:lstStyle/>
           <a:p>
             <a:r>
-              <a:rPr lang="en-US" smtClean="0"/>
-              <a:t>© 2015 EV3Lessons.com, Last edit 4/5/2015</a:t>
+              <a:rPr lang="sk-SK" smtClean="0"/>
+              <a:t>© 2015 EV3Lessons.com, Last edit 12/19/2015</a:t>
             </a:r>
             <a:endParaRPr lang="en-US"/>
           </a:p>
@@ -4671,7 +4756,7 @@
             <a:fld id="{4382A7F7-08BF-4252-8141-63FB96055BBB}" type="slidenum">
               <a:rPr lang="en-US" smtClean="0"/>
               <a:pPr/>
-              <a:t>‹Nº›</a:t>
+              <a:t>‹#›</a:t>
             </a:fld>
             <a:endParaRPr lang="en-US"/>
           </a:p>
@@ -5159,10 +5244,9 @@
           <a:bodyPr/>
           <a:lstStyle/>
           <a:p>
-            <a:fld id="{C7C7FACC-6D03-1D40-9481-E9F4C479F1B5}" type="datetime1">
-              <a:rPr lang="en-US" smtClean="0"/>
-              <a:pPr/>
-              <a:t>5/30/2015</a:t>
+            <a:fld id="{1905E2DE-85F8-7A41-977C-A05D7333E4FA}" type="datetime1">
+              <a:rPr lang="en-US" smtClean="0"/>
+              <a:t>12/19/15</a:t>
             </a:fld>
             <a:endParaRPr lang="en-US"/>
           </a:p>
@@ -5184,8 +5268,8 @@
           <a:lstStyle/>
           <a:p>
             <a:r>
-              <a:rPr lang="en-US" smtClean="0"/>
-              <a:t>© 2015 EV3Lessons.com, Last edit 4/5/2015</a:t>
+              <a:rPr lang="sk-SK" smtClean="0"/>
+              <a:t>© 2015 EV3Lessons.com, Last edit 12/19/2015</a:t>
             </a:r>
             <a:endParaRPr lang="en-US"/>
           </a:p>
@@ -5209,7 +5293,7 @@
             <a:fld id="{4382A7F7-08BF-4252-8141-63FB96055BBB}" type="slidenum">
               <a:rPr lang="en-US" smtClean="0"/>
               <a:pPr/>
-              <a:t>‹Nº›</a:t>
+              <a:t>‹#›</a:t>
             </a:fld>
             <a:endParaRPr lang="en-US"/>
           </a:p>
@@ -5307,10 +5391,9 @@
           <a:bodyPr/>
           <a:lstStyle/>
           <a:p>
-            <a:fld id="{53F9109E-E760-5E46-9443-9A7AA9FDF376}" type="datetime1">
-              <a:rPr lang="en-US" smtClean="0"/>
-              <a:pPr/>
-              <a:t>5/30/2015</a:t>
+            <a:fld id="{A584EF31-227B-174A-949D-2B9C8E6CAFFC}" type="datetime1">
+              <a:rPr lang="en-US" smtClean="0"/>
+              <a:t>12/19/15</a:t>
             </a:fld>
             <a:endParaRPr lang="en-US"/>
           </a:p>
@@ -5332,8 +5415,8 @@
           <a:lstStyle/>
           <a:p>
             <a:r>
-              <a:rPr lang="en-US" smtClean="0"/>
-              <a:t>© 2015 EV3Lessons.com, Last edit 4/5/2015</a:t>
+              <a:rPr lang="sk-SK" smtClean="0"/>
+              <a:t>© 2015 EV3Lessons.com, Last edit 12/19/2015</a:t>
             </a:r>
             <a:endParaRPr lang="en-US"/>
           </a:p>
@@ -5357,7 +5440,7 @@
             <a:fld id="{7F5CE407-6216-4202-80E4-A30DC2F709B2}" type="slidenum">
               <a:rPr lang="en-US" smtClean="0"/>
               <a:pPr/>
-              <a:t>‹Nº›</a:t>
+              <a:t>‹#›</a:t>
             </a:fld>
             <a:endParaRPr lang="en-US"/>
           </a:p>
@@ -6179,10 +6262,9 @@
           <a:bodyPr/>
           <a:lstStyle/>
           <a:p>
-            <a:fld id="{33093313-B8E6-3C47-B639-30F004A4F12F}" type="datetime1">
-              <a:rPr lang="en-US" smtClean="0"/>
-              <a:pPr/>
-              <a:t>5/30/2015</a:t>
+            <a:fld id="{872E6EC7-6D5C-FD49-8122-48788A83DE98}" type="datetime1">
+              <a:rPr lang="en-US" smtClean="0"/>
+              <a:t>12/19/15</a:t>
             </a:fld>
             <a:endParaRPr lang="en-US"/>
           </a:p>
@@ -6204,8 +6286,8 @@
           <a:lstStyle/>
           <a:p>
             <a:r>
-              <a:rPr lang="en-US" smtClean="0"/>
-              <a:t>© 2015 EV3Lessons.com, Last edit 4/5/2015</a:t>
+              <a:rPr lang="sk-SK" smtClean="0"/>
+              <a:t>© 2015 EV3Lessons.com, Last edit 12/19/2015</a:t>
             </a:r>
             <a:endParaRPr lang="en-US"/>
           </a:p>
@@ -6229,7 +6311,7 @@
             <a:fld id="{162F1D00-BD13-4404-86B0-79703945A0A7}" type="slidenum">
               <a:rPr lang="en-US" smtClean="0"/>
               <a:pPr/>
-              <a:t>‹Nº›</a:t>
+              <a:t>‹#›</a:t>
             </a:fld>
             <a:endParaRPr lang="en-US"/>
           </a:p>
@@ -6315,10 +6397,9 @@
           <a:bodyPr/>
           <a:lstStyle/>
           <a:p>
-            <a:fld id="{4467321F-6946-7D41-A1F3-72B766C76C73}" type="datetime1">
-              <a:rPr lang="en-US" smtClean="0"/>
-              <a:pPr/>
-              <a:t>5/30/2015</a:t>
+            <a:fld id="{DEA34364-B36A-CB48-9303-B7E4F5DCF2DE}" type="datetime1">
+              <a:rPr lang="en-US" smtClean="0"/>
+              <a:t>12/19/15</a:t>
             </a:fld>
             <a:endParaRPr lang="en-US" dirty="0"/>
           </a:p>
@@ -6342,7 +6423,7 @@
             <a:fld id="{4382A7F7-08BF-4252-8141-63FB96055BBB}" type="slidenum">
               <a:rPr lang="en-US" smtClean="0"/>
               <a:pPr/>
-              <a:t>‹Nº›</a:t>
+              <a:t>‹#›</a:t>
             </a:fld>
             <a:endParaRPr lang="en-US"/>
           </a:p>
@@ -7189,10 +7270,9 @@
           <a:bodyPr/>
           <a:lstStyle/>
           <a:p>
-            <a:fld id="{56A60E2B-7B03-8A40-B1EC-A58C57D64BCC}" type="datetime1">
-              <a:rPr lang="en-US" smtClean="0"/>
-              <a:pPr/>
-              <a:t>5/30/2015</a:t>
+            <a:fld id="{A4F7BEC7-E9C1-DC4A-A9B1-B8C3FCEA6358}" type="datetime1">
+              <a:rPr lang="en-US" smtClean="0"/>
+              <a:t>12/19/15</a:t>
             </a:fld>
             <a:endParaRPr lang="en-US"/>
           </a:p>
@@ -7216,7 +7296,7 @@
             <a:fld id="{4382A7F7-08BF-4252-8141-63FB96055BBB}" type="slidenum">
               <a:rPr lang="en-US" smtClean="0"/>
               <a:pPr/>
-              <a:t>‹Nº›</a:t>
+              <a:t>‹#›</a:t>
             </a:fld>
             <a:endParaRPr lang="en-US"/>
           </a:p>
@@ -7827,10 +7907,9 @@
           <a:bodyPr/>
           <a:lstStyle/>
           <a:p>
-            <a:fld id="{634B4CE0-9CA9-5A44-95F5-9A70DEAECA87}" type="datetime1">
-              <a:rPr lang="en-US" smtClean="0"/>
-              <a:pPr/>
-              <a:t>5/30/2015</a:t>
+            <a:fld id="{D6A7829C-0340-344F-ADF0-90143E4FA07F}" type="datetime1">
+              <a:rPr lang="en-US" smtClean="0"/>
+              <a:t>12/19/15</a:t>
             </a:fld>
             <a:endParaRPr lang="en-US"/>
           </a:p>
@@ -7852,8 +7931,8 @@
           <a:lstStyle/>
           <a:p>
             <a:r>
-              <a:rPr lang="en-US" smtClean="0"/>
-              <a:t>© 2015 EV3Lessons.com, Last edit 4/5/2015</a:t>
+              <a:rPr lang="sk-SK" smtClean="0"/>
+              <a:t>© 2015 EV3Lessons.com, Last edit 12/19/2015</a:t>
             </a:r>
             <a:endParaRPr lang="en-US"/>
           </a:p>
@@ -7877,7 +7956,7 @@
             <a:fld id="{4382A7F7-08BF-4252-8141-63FB96055BBB}" type="slidenum">
               <a:rPr lang="en-US" smtClean="0"/>
               <a:pPr/>
-              <a:t>‹Nº›</a:t>
+              <a:t>‹#›</a:t>
             </a:fld>
             <a:endParaRPr lang="en-US"/>
           </a:p>
@@ -8156,10 +8235,9 @@
           <a:bodyPr/>
           <a:lstStyle/>
           <a:p>
-            <a:fld id="{49C35B06-ADE9-4E42-BC9C-B2870A8EE647}" type="datetime1">
-              <a:rPr lang="en-US" smtClean="0"/>
-              <a:pPr/>
-              <a:t>5/30/2015</a:t>
+            <a:fld id="{C65826CB-F49E-BE4B-96F1-62AA83A67B63}" type="datetime1">
+              <a:rPr lang="en-US" smtClean="0"/>
+              <a:t>12/19/15</a:t>
             </a:fld>
             <a:endParaRPr lang="en-US"/>
           </a:p>
@@ -8181,8 +8259,8 @@
           <a:lstStyle/>
           <a:p>
             <a:r>
-              <a:rPr lang="en-US" smtClean="0"/>
-              <a:t>© 2015 EV3Lessons.com, Last edit 4/5/2015</a:t>
+              <a:rPr lang="sk-SK" smtClean="0"/>
+              <a:t>© 2015 EV3Lessons.com, Last edit 12/19/2015</a:t>
             </a:r>
             <a:endParaRPr lang="en-US"/>
           </a:p>
@@ -8206,7 +8284,7 @@
             <a:fld id="{4382A7F7-08BF-4252-8141-63FB96055BBB}" type="slidenum">
               <a:rPr lang="en-US" smtClean="0"/>
               <a:pPr/>
-              <a:t>‹Nº›</a:t>
+              <a:t>‹#›</a:t>
             </a:fld>
             <a:endParaRPr lang="en-US"/>
           </a:p>
@@ -8259,10 +8337,9 @@
           <a:bodyPr/>
           <a:lstStyle/>
           <a:p>
-            <a:fld id="{450A3171-6F10-E846-B02E-E9A23F3E8F2A}" type="datetime1">
-              <a:rPr lang="en-US" smtClean="0"/>
-              <a:pPr/>
-              <a:t>5/30/2015</a:t>
+            <a:fld id="{DD578D3F-55B8-A648-ABE6-BDFA3C4799B0}" type="datetime1">
+              <a:rPr lang="en-US" smtClean="0"/>
+              <a:t>12/19/15</a:t>
             </a:fld>
             <a:endParaRPr lang="en-US"/>
           </a:p>
@@ -8284,8 +8361,8 @@
           <a:lstStyle/>
           <a:p>
             <a:r>
-              <a:rPr lang="en-US" smtClean="0"/>
-              <a:t>© 2015 EV3Lessons.com, Last edit 4/5/2015</a:t>
+              <a:rPr lang="sk-SK" smtClean="0"/>
+              <a:t>© 2015 EV3Lessons.com, Last edit 12/19/2015</a:t>
             </a:r>
             <a:endParaRPr lang="en-US"/>
           </a:p>
@@ -8309,7 +8386,7 @@
             <a:fld id="{4382A7F7-08BF-4252-8141-63FB96055BBB}" type="slidenum">
               <a:rPr lang="en-US" smtClean="0"/>
               <a:pPr/>
-              <a:t>‹Nº›</a:t>
+              <a:t>‹#›</a:t>
             </a:fld>
             <a:endParaRPr lang="en-US"/>
           </a:p>
@@ -8600,10 +8677,9 @@
             </a:lvl1pPr>
           </a:lstStyle>
           <a:p>
-            <a:fld id="{F5ADC727-B571-2842-9276-CCAAE2336D61}" type="datetime1">
-              <a:rPr lang="en-US" smtClean="0"/>
-              <a:pPr/>
-              <a:t>5/30/2015</a:t>
+            <a:fld id="{EB16ADDF-F4F4-5E4A-AF2B-2AEB036E6735}" type="datetime1">
+              <a:rPr lang="en-US" smtClean="0"/>
+              <a:t>12/19/15</a:t>
             </a:fld>
             <a:endParaRPr lang="en-US" dirty="0"/>
           </a:p>
@@ -8643,8 +8719,8 @@
           </a:lstStyle>
           <a:p>
             <a:r>
-              <a:rPr lang="en-US" smtClean="0"/>
-              <a:t>© 2015 EV3Lessons.com, Last edit 4/5/2015</a:t>
+              <a:rPr lang="sk-SK" smtClean="0"/>
+              <a:t>© 2015 EV3Lessons.com, Last edit 12/19/2015</a:t>
             </a:r>
             <a:endParaRPr lang="en-US" dirty="0"/>
           </a:p>
@@ -8687,7 +8763,7 @@
             <a:fld id="{4382A7F7-08BF-4252-8141-63FB96055BBB}" type="slidenum">
               <a:rPr lang="en-US" smtClean="0"/>
               <a:pPr/>
-              <a:t>‹Nº›</a:t>
+              <a:t>‹#›</a:t>
             </a:fld>
             <a:endParaRPr lang="en-US"/>
           </a:p>
@@ -9131,7 +9207,7 @@
           <a:blip r:embed="rId3" cstate="email">
             <a:extLst>
               <a:ext uri="{28A0092B-C50C-407E-A947-70E740481C1C}">
-                <a14:useLocalDpi xmlns="" xmlns:a14="http://schemas.microsoft.com/office/drawing/2010/main" val="0"/>
+                <a14:useLocalDpi xmlns:a14="http://schemas.microsoft.com/office/drawing/2010/main" val="0"/>
               </a:ext>
             </a:extLst>
           </a:blip>
@@ -9165,7 +9241,7 @@
         </p:spPr>
         <p:txBody>
           <a:bodyPr>
-            <a:normAutofit fontScale="85000" lnSpcReduction="20000"/>
+            <a:normAutofit/>
           </a:bodyPr>
           <a:lstStyle/>
           <a:p>
@@ -9185,45 +9261,6 @@
               </a:rPr>
               <a:t> Droids Robotics</a:t>
             </a:r>
-          </a:p>
-          <a:p>
-            <a:r>
-              <a:rPr lang="en-US" dirty="0" err="1" smtClean="0">
-                <a:solidFill>
-                  <a:schemeClr val="tx1"/>
-                </a:solidFill>
-              </a:rPr>
-              <a:t>Código</a:t>
-            </a:r>
-            <a:r>
-              <a:rPr lang="en-US" dirty="0" smtClean="0">
-                <a:solidFill>
-                  <a:schemeClr val="tx1"/>
-                </a:solidFill>
-              </a:rPr>
-              <a:t> </a:t>
-            </a:r>
-            <a:r>
-              <a:rPr lang="en-US" dirty="0" err="1" smtClean="0">
-                <a:solidFill>
-                  <a:schemeClr val="tx1"/>
-                </a:solidFill>
-              </a:rPr>
-              <a:t>por</a:t>
-            </a:r>
-            <a:r>
-              <a:rPr lang="en-US" dirty="0" smtClean="0">
-                <a:solidFill>
-                  <a:schemeClr val="tx1"/>
-                </a:solidFill>
-              </a:rPr>
-              <a:t> The Construction Mavericks</a:t>
-            </a:r>
-            <a:endParaRPr lang="en-US" dirty="0">
-              <a:solidFill>
-                <a:schemeClr val="tx1"/>
-              </a:solidFill>
-            </a:endParaRPr>
           </a:p>
         </p:txBody>
       </p:sp>
@@ -9339,7 +9376,7 @@
           <a:blip r:embed="rId4" cstate="email">
             <a:extLst>
               <a:ext uri="{28A0092B-C50C-407E-A947-70E740481C1C}">
-                <a14:useLocalDpi xmlns="" xmlns:a14="http://schemas.microsoft.com/office/drawing/2010/main" val="0"/>
+                <a14:useLocalDpi xmlns:a14="http://schemas.microsoft.com/office/drawing/2010/main" val="0"/>
               </a:ext>
             </a:extLst>
           </a:blip>
@@ -9389,8 +9426,8 @@
           <a:lstStyle/>
           <a:p>
             <a:r>
-              <a:rPr lang="en-US" dirty="0" smtClean="0"/>
-              <a:t>© 2015 EV3Lessons.com, Last edit 5/30/2015</a:t>
+              <a:rPr lang="sk-SK" smtClean="0"/>
+              <a:t>© 2015 EV3Lessons.com, Last edit 12/19/2015</a:t>
             </a:r>
             <a:endParaRPr lang="en-US" dirty="0"/>
           </a:p>
@@ -9399,7 +9436,7 @@
     </p:spTree>
     <p:extLst>
       <p:ext uri="{BB962C8B-B14F-4D97-AF65-F5344CB8AC3E}">
-        <p14:creationId xmlns="" xmlns:p14="http://schemas.microsoft.com/office/powerpoint/2010/main" val="3648421283"/>
+        <p14:creationId xmlns:p14="http://schemas.microsoft.com/office/powerpoint/2010/main" val="3648421283"/>
       </p:ext>
     </p:extLst>
   </p:cSld>
@@ -9447,333 +9484,6 @@
           <a:noFill/>
         </p:spPr>
         <p:txBody>
-          <a:bodyPr>
-            <a:noAutofit/>
-          </a:bodyPr>
-          <a:lstStyle/>
-          <a:p>
-            <a:r>
-              <a:rPr lang="es-ES" sz="3200" dirty="0" smtClean="0"/>
-              <a:t>Solución: Giro a derecha (sensor giroscópico)</a:t>
-            </a:r>
-            <a:endParaRPr lang="en-US" sz="3200" dirty="0"/>
-          </a:p>
-        </p:txBody>
-      </p:sp>
-      <p:sp>
-        <p:nvSpPr>
-          <p:cNvPr id="3" name="Slide Number Placeholder 2"/>
-          <p:cNvSpPr>
-            <a:spLocks noGrp="1"/>
-          </p:cNvSpPr>
-          <p:nvPr>
-            <p:ph type="sldNum" sz="quarter" idx="12"/>
-          </p:nvPr>
-        </p:nvSpPr>
-        <p:spPr/>
-        <p:txBody>
-          <a:bodyPr/>
-          <a:lstStyle/>
-          <a:p>
-            <a:fld id="{4382A7F7-08BF-4252-8141-63FB96055BBB}" type="slidenum">
-              <a:rPr lang="en-US" smtClean="0"/>
-              <a:pPr/>
-              <a:t>10</a:t>
-            </a:fld>
-            <a:endParaRPr lang="en-US"/>
-          </a:p>
-        </p:txBody>
-      </p:sp>
-      <p:pic>
-        <p:nvPicPr>
-          <p:cNvPr id="4098" name="Picture 2"/>
-          <p:cNvPicPr>
-            <a:picLocks noChangeAspect="1" noChangeArrowheads="1"/>
-          </p:cNvPicPr>
-          <p:nvPr/>
-        </p:nvPicPr>
-        <p:blipFill>
-          <a:blip r:embed="rId2" cstate="print"/>
-          <a:srcRect t="6478" b="2552"/>
-          <a:stretch>
-            <a:fillRect/>
-          </a:stretch>
-        </p:blipFill>
-        <p:spPr bwMode="auto">
-          <a:xfrm>
-            <a:off x="436563" y="1739962"/>
-            <a:ext cx="8268824" cy="4697070"/>
-          </a:xfrm>
-          <a:prstGeom prst="rect">
-            <a:avLst/>
-          </a:prstGeom>
-          <a:noFill/>
-          <a:ln w="9525">
-            <a:noFill/>
-            <a:miter lim="800000"/>
-            <a:headEnd/>
-            <a:tailEnd/>
-          </a:ln>
-        </p:spPr>
-      </p:pic>
-      <p:sp>
-        <p:nvSpPr>
-          <p:cNvPr id="8" name="Footer Placeholder 3"/>
-          <p:cNvSpPr>
-            <a:spLocks noGrp="1"/>
-          </p:cNvSpPr>
-          <p:nvPr>
-            <p:ph type="ftr" sz="quarter" idx="11"/>
-          </p:nvPr>
-        </p:nvSpPr>
-        <p:spPr>
-          <a:xfrm>
-            <a:off x="199698" y="6437032"/>
-            <a:ext cx="6124902" cy="365125"/>
-          </a:xfrm>
-        </p:spPr>
-        <p:txBody>
-          <a:bodyPr/>
-          <a:lstStyle/>
-          <a:p>
-            <a:r>
-              <a:rPr lang="en-US" dirty="0" smtClean="0"/>
-              <a:t>© 2015 EV3Lessons.com, Last edit 5/30/2015</a:t>
-            </a:r>
-            <a:endParaRPr lang="en-US" dirty="0"/>
-          </a:p>
-        </p:txBody>
-      </p:sp>
-    </p:spTree>
-    <p:extLst>
-      <p:ext uri="{BB962C8B-B14F-4D97-AF65-F5344CB8AC3E}">
-        <p14:creationId xmlns="" xmlns:p14="http://schemas.microsoft.com/office/powerpoint/2010/main" val="3750282875"/>
-      </p:ext>
-    </p:extLst>
-  </p:cSld>
-  <p:clrMapOvr>
-    <a:masterClrMapping/>
-  </p:clrMapOvr>
-</p:sld>
-</file>
-
-<file path=ppt/slides/slide11.xml><?xml version="1.0" encoding="utf-8"?>
-<p:sld xmlns:a="http://schemas.openxmlformats.org/drawingml/2006/main" xmlns:r="http://schemas.openxmlformats.org/officeDocument/2006/relationships" xmlns:p="http://schemas.openxmlformats.org/presentationml/2006/main">
-  <p:cSld>
-    <p:spTree>
-      <p:nvGrpSpPr>
-        <p:cNvPr id="1" name=""/>
-        <p:cNvGrpSpPr/>
-        <p:nvPr/>
-      </p:nvGrpSpPr>
-      <p:grpSpPr>
-        <a:xfrm>
-          <a:off x="0" y="0"/>
-          <a:ext cx="0" cy="0"/>
-          <a:chOff x="0" y="0"/>
-          <a:chExt cx="0" cy="0"/>
-        </a:xfrm>
-      </p:grpSpPr>
-      <p:sp>
-        <p:nvSpPr>
-          <p:cNvPr id="2" name="Title 1"/>
-          <p:cNvSpPr>
-            <a:spLocks noGrp="1"/>
-          </p:cNvSpPr>
-          <p:nvPr>
-            <p:ph type="title"/>
-          </p:nvPr>
-        </p:nvSpPr>
-        <p:spPr/>
-        <p:txBody>
-          <a:bodyPr/>
-          <a:lstStyle/>
-          <a:p>
-            <a:r>
-              <a:rPr lang="es-ES" dirty="0" smtClean="0"/>
-              <a:t>Guía de discusión</a:t>
-            </a:r>
-            <a:endParaRPr lang="es-ES" dirty="0"/>
-          </a:p>
-        </p:txBody>
-      </p:sp>
-      <p:sp>
-        <p:nvSpPr>
-          <p:cNvPr id="3" name="Content Placeholder 2"/>
-          <p:cNvSpPr>
-            <a:spLocks noGrp="1"/>
-          </p:cNvSpPr>
-          <p:nvPr>
-            <p:ph idx="1"/>
-          </p:nvPr>
-        </p:nvSpPr>
-        <p:spPr>
-          <a:xfrm>
-            <a:off x="508001" y="2133600"/>
-            <a:ext cx="8350250" cy="3992563"/>
-          </a:xfrm>
-        </p:spPr>
-        <p:txBody>
-          <a:bodyPr/>
-          <a:lstStyle/>
-          <a:p>
-            <a:pPr marL="457200" indent="-457200">
-              <a:buFont typeface="+mj-lt"/>
-              <a:buAutoNum type="arabicPeriod"/>
-            </a:pPr>
-            <a:r>
-              <a:rPr lang="es-ES" dirty="0" smtClean="0">
-                <a:solidFill>
-                  <a:srgbClr val="FF0000"/>
-                </a:solidFill>
-              </a:rPr>
-              <a:t>¿Qué significa Control Proporcional?</a:t>
-            </a:r>
-            <a:br>
-              <a:rPr lang="es-ES" dirty="0" smtClean="0">
-                <a:solidFill>
-                  <a:srgbClr val="FF0000"/>
-                </a:solidFill>
-              </a:rPr>
-            </a:br>
-            <a:r>
-              <a:rPr lang="es-ES" dirty="0" smtClean="0"/>
-              <a:t>Respuesta. Movimiento más o menos rápido del robot en función de la distancia de éste al objetivo</a:t>
-            </a:r>
-          </a:p>
-          <a:p>
-            <a:pPr marL="457200" indent="-457200">
-              <a:buFont typeface="+mj-lt"/>
-              <a:buAutoNum type="arabicPeriod"/>
-            </a:pPr>
-            <a:r>
-              <a:rPr lang="es-ES" dirty="0" smtClean="0">
-                <a:solidFill>
-                  <a:srgbClr val="FF0000"/>
-                </a:solidFill>
-              </a:rPr>
-              <a:t>¿Qué tienen todos los códigos de Control Proporcional en común?</a:t>
-            </a:r>
-            <a:br>
-              <a:rPr lang="es-ES" dirty="0" smtClean="0">
-                <a:solidFill>
-                  <a:srgbClr val="FF0000"/>
-                </a:solidFill>
-              </a:rPr>
-            </a:br>
-            <a:r>
-              <a:rPr lang="es-ES" dirty="0" smtClean="0"/>
-              <a:t>Respuesta. Todos calculan un error y aplican una corrección</a:t>
-            </a:r>
-          </a:p>
-          <a:p>
-            <a:pPr marL="457200" indent="-457200">
-              <a:buFont typeface="+mj-lt"/>
-              <a:buAutoNum type="arabicPeriod"/>
-            </a:pPr>
-            <a:endParaRPr lang="es-ES" dirty="0" smtClean="0"/>
-          </a:p>
-          <a:p>
-            <a:endParaRPr lang="es-ES" dirty="0"/>
-          </a:p>
-        </p:txBody>
-      </p:sp>
-      <p:sp>
-        <p:nvSpPr>
-          <p:cNvPr id="5" name="Slide Number Placeholder 4"/>
-          <p:cNvSpPr>
-            <a:spLocks noGrp="1"/>
-          </p:cNvSpPr>
-          <p:nvPr>
-            <p:ph type="sldNum" sz="quarter" idx="12"/>
-          </p:nvPr>
-        </p:nvSpPr>
-        <p:spPr/>
-        <p:txBody>
-          <a:bodyPr/>
-          <a:lstStyle/>
-          <a:p>
-            <a:fld id="{4382A7F7-08BF-4252-8141-63FB96055BBB}" type="slidenum">
-              <a:rPr lang="en-US" smtClean="0"/>
-              <a:pPr/>
-              <a:t>11</a:t>
-            </a:fld>
-            <a:endParaRPr lang="en-US"/>
-          </a:p>
-        </p:txBody>
-      </p:sp>
-      <p:sp>
-        <p:nvSpPr>
-          <p:cNvPr id="6" name="Footer Placeholder 3"/>
-          <p:cNvSpPr>
-            <a:spLocks noGrp="1"/>
-          </p:cNvSpPr>
-          <p:nvPr>
-            <p:ph type="ftr" sz="quarter" idx="11"/>
-          </p:nvPr>
-        </p:nvSpPr>
-        <p:spPr>
-          <a:xfrm>
-            <a:off x="199698" y="6437032"/>
-            <a:ext cx="6124902" cy="365125"/>
-          </a:xfrm>
-        </p:spPr>
-        <p:txBody>
-          <a:bodyPr/>
-          <a:lstStyle/>
-          <a:p>
-            <a:r>
-              <a:rPr lang="en-US" dirty="0" smtClean="0"/>
-              <a:t>© 2015 EV3Lessons.com, Last edit 5/30/2015</a:t>
-            </a:r>
-            <a:endParaRPr lang="en-US" dirty="0"/>
-          </a:p>
-        </p:txBody>
-      </p:sp>
-    </p:spTree>
-    <p:extLst>
-      <p:ext uri="{BB962C8B-B14F-4D97-AF65-F5344CB8AC3E}">
-        <p14:creationId xmlns="" xmlns:p14="http://schemas.microsoft.com/office/powerpoint/2010/main" val="1547944288"/>
-      </p:ext>
-    </p:extLst>
-  </p:cSld>
-  <p:clrMapOvr>
-    <a:masterClrMapping/>
-  </p:clrMapOvr>
-</p:sld>
-</file>
-
-<file path=ppt/slides/slide12.xml><?xml version="1.0" encoding="utf-8"?>
-<p:sld xmlns:a="http://schemas.openxmlformats.org/drawingml/2006/main" xmlns:r="http://schemas.openxmlformats.org/officeDocument/2006/relationships" xmlns:p="http://schemas.openxmlformats.org/presentationml/2006/main">
-  <p:cSld>
-    <p:spTree>
-      <p:nvGrpSpPr>
-        <p:cNvPr id="1" name=""/>
-        <p:cNvGrpSpPr/>
-        <p:nvPr/>
-      </p:nvGrpSpPr>
-      <p:grpSpPr>
-        <a:xfrm>
-          <a:off x="0" y="0"/>
-          <a:ext cx="0" cy="0"/>
-          <a:chOff x="0" y="0"/>
-          <a:chExt cx="0" cy="0"/>
-        </a:xfrm>
-      </p:grpSpPr>
-      <p:sp>
-        <p:nvSpPr>
-          <p:cNvPr id="2" name="Title 1"/>
-          <p:cNvSpPr>
-            <a:spLocks noGrp="1"/>
-          </p:cNvSpPr>
-          <p:nvPr>
-            <p:ph type="title"/>
-          </p:nvPr>
-        </p:nvSpPr>
-        <p:spPr>
-          <a:noFill/>
-        </p:spPr>
-        <p:txBody>
           <a:bodyPr/>
           <a:lstStyle/>
           <a:p>
@@ -9897,34 +9607,13 @@
             </a:pPr>
             <a:r>
               <a:rPr lang="es-ES" dirty="0" smtClean="0"/>
-              <a:t>El código original  del sensor giroscópico ha sido proporcionado por </a:t>
+              <a:t>Traducción realizada por Toni Soler de </a:t>
             </a:r>
             <a:r>
               <a:rPr lang="es-ES" dirty="0" err="1" smtClean="0"/>
-              <a:t>Construction</a:t>
-            </a:r>
-            <a:r>
-              <a:rPr lang="es-ES" dirty="0" smtClean="0"/>
-              <a:t> </a:t>
-            </a:r>
-            <a:r>
-              <a:rPr lang="es-ES" dirty="0" err="1" smtClean="0"/>
-              <a:t>Mavericks</a:t>
-            </a:r>
-            <a:r>
-              <a:rPr lang="es-ES" dirty="0" smtClean="0"/>
-              <a:t> (</a:t>
-            </a:r>
-            <a:r>
-              <a:rPr lang="es-ES" sz="2400" dirty="0" smtClean="0">
-                <a:hlinkClick r:id="rId4"/>
-              </a:rPr>
-              <a:t>frank.levine@gmail.com</a:t>
-            </a:r>
-            <a:r>
-              <a:rPr lang="es-ES" sz="2400" dirty="0" smtClean="0"/>
-              <a:t>)</a:t>
-            </a:r>
+              <a:t>Apps&amp;Lego</a:t>
+            </a:r>
+            <a:endParaRPr lang="es-ES" dirty="0" smtClean="0"/>
           </a:p>
           <a:p>
             <a:pPr marL="454025" lvl="1" indent="-454025">
@@ -9939,27 +9628,6 @@
             </a:pPr>
             <a:r>
               <a:rPr lang="es-ES" dirty="0" smtClean="0"/>
-              <a:t>Traducción realizada por Toni Soler de </a:t>
-            </a:r>
-            <a:r>
-              <a:rPr lang="es-ES" dirty="0" err="1" smtClean="0"/>
-              <a:t>Apps&amp;Lego</a:t>
-            </a:r>
-            <a:endParaRPr lang="es-ES" dirty="0" smtClean="0"/>
-          </a:p>
-          <a:p>
-            <a:pPr marL="454025" lvl="1" indent="-454025">
-              <a:spcBef>
-                <a:spcPts val="2000"/>
-              </a:spcBef>
-              <a:buClr>
-                <a:schemeClr val="bg1">
-                  <a:lumMod val="65000"/>
-                </a:schemeClr>
-              </a:buClr>
-            </a:pPr>
-            <a:r>
-              <a:rPr lang="es-ES" dirty="0" smtClean="0"/>
               <a:t>Más lecciones en www.ev3lessons.com</a:t>
             </a:r>
             <a:endParaRPr lang="es-ES" dirty="0"/>
@@ -9982,8 +9650,8 @@
           <a:lstStyle/>
           <a:p>
             <a:r>
-              <a:rPr lang="en-US" dirty="0" smtClean="0"/>
-              <a:t>© 2015 EV3Lessons.com, Last edit 5/30/2015</a:t>
+              <a:rPr lang="sk-SK" smtClean="0"/>
+              <a:t>© 2015 EV3Lessons.com, Last edit 12/19/2015</a:t>
             </a:r>
             <a:endParaRPr lang="en-US" dirty="0"/>
           </a:p>
@@ -10239,7 +9907,7 @@
                 </a:solidFill>
                 <a:effectLst/>
                 <a:latin typeface="Helvetica Neue"/>
-                <a:hlinkClick r:id="rId5"/>
+                <a:hlinkClick r:id="rId4"/>
               </a:rPr>
               <a:t>Creative Commons Attribution-</a:t>
             </a:r>
@@ -10253,7 +9921,7 @@
                 </a:solidFill>
                 <a:effectLst/>
                 <a:latin typeface="Helvetica Neue"/>
-                <a:hlinkClick r:id="rId5"/>
+                <a:hlinkClick r:id="rId4"/>
               </a:rPr>
               <a:t>NonCommercial</a:t>
             </a:r>
@@ -10267,7 +9935,7 @@
                 </a:solidFill>
                 <a:effectLst/>
                 <a:latin typeface="Helvetica Neue"/>
-                <a:hlinkClick r:id="rId5"/>
+                <a:hlinkClick r:id="rId4"/>
               </a:rPr>
               <a:t>-</a:t>
             </a:r>
@@ -10281,7 +9949,7 @@
                 </a:solidFill>
                 <a:effectLst/>
                 <a:latin typeface="Helvetica Neue"/>
-                <a:hlinkClick r:id="rId5"/>
+                <a:hlinkClick r:id="rId4"/>
               </a:rPr>
               <a:t>ShareAlike</a:t>
             </a:r>
@@ -10295,7 +9963,7 @@
                 </a:solidFill>
                 <a:effectLst/>
                 <a:latin typeface="Helvetica Neue"/>
-                <a:hlinkClick r:id="rId5"/>
+                <a:hlinkClick r:id="rId4"/>
               </a:rPr>
               <a:t> 4.0 International License</a:t>
             </a:r>
@@ -10340,7 +10008,7 @@
       <p:pic>
         <p:nvPicPr>
           <p:cNvPr id="6" name="Picture 2" descr="Creative Commons License">
-            <a:hlinkClick r:id="rId5"/>
+            <a:hlinkClick r:id="rId4"/>
           </p:cNvPr>
           <p:cNvPicPr>
             <a:picLocks noChangeAspect="1" noChangeArrowheads="1"/>
@@ -10348,10 +10016,10 @@
           <p:nvPr/>
         </p:nvPicPr>
         <p:blipFill>
-          <a:blip r:embed="rId6" cstate="print">
+          <a:blip r:embed="rId5" cstate="print">
             <a:extLst>
               <a:ext uri="{28A0092B-C50C-407E-A947-70E740481C1C}">
-                <a14:useLocalDpi xmlns="" xmlns:a14="http://schemas.microsoft.com/office/drawing/2010/main" val="0"/>
+                <a14:useLocalDpi xmlns:a14="http://schemas.microsoft.com/office/drawing/2010/main" val="0"/>
               </a:ext>
             </a:extLst>
           </a:blip>
@@ -10398,7 +10066,7 @@
             <a:fld id="{4382A7F7-08BF-4252-8141-63FB96055BBB}" type="slidenum">
               <a:rPr lang="en-US" smtClean="0"/>
               <a:pPr/>
-              <a:t>12</a:t>
+              <a:t>10</a:t>
             </a:fld>
             <a:endParaRPr lang="en-US"/>
           </a:p>
@@ -10407,18 +10075,18 @@
     </p:spTree>
     <p:extLst>
       <p:ext uri="{BB962C8B-B14F-4D97-AF65-F5344CB8AC3E}">
-        <p14:creationId xmlns="" xmlns:p14="http://schemas.microsoft.com/office/powerpoint/2010/main" val="4261110021"/>
+        <p14:creationId xmlns:p14="http://schemas.microsoft.com/office/powerpoint/2010/main" val="4261110021"/>
       </p:ext>
     </p:extLst>
   </p:cSld>
   <p:clrMapOvr>
     <a:masterClrMapping/>
   </p:clrMapOvr>
-  <mc:AlternateContent xmlns:mc="http://schemas.openxmlformats.org/markup-compatibility/2006">
-    <mc:Choice xmlns="" xmlns:p14="http://schemas.microsoft.com/office/powerpoint/2010/main" Requires="p14">
+  <mc:AlternateContent xmlns:mc="http://schemas.openxmlformats.org/markup-compatibility/2006" xmlns:p14="http://schemas.microsoft.com/office/powerpoint/2010/main">
+    <mc:Choice Requires="p14">
       <p:transition spd="slow" p14:dur="2000"/>
     </mc:Choice>
-    <mc:Fallback>
+    <mc:Fallback xmlns="">
       <p:transition spd="slow"/>
     </mc:Fallback>
   </mc:AlternateContent>
@@ -10523,7 +10191,7 @@
             </a:pPr>
             <a:r>
               <a:rPr lang="es-ES" dirty="0" smtClean="0"/>
-              <a:t>Aprender a aplicar el control proporcional al sensor Giroscópico, de Color i Ultrasónico.</a:t>
+              <a:t>Aprender a aplicar el control proporcional al sensor de Color i Ultrasónico.</a:t>
             </a:r>
             <a:endParaRPr lang="es-ES" b="0" dirty="0" smtClean="0"/>
           </a:p>
@@ -10591,8 +10259,8 @@
           <a:lstStyle/>
           <a:p>
             <a:r>
-              <a:rPr lang="en-US" dirty="0" smtClean="0"/>
-              <a:t>© 2015 EV3Lessons.com, Last edit 5/30/2015</a:t>
+              <a:rPr lang="sk-SK" smtClean="0"/>
+              <a:t>© 2015 EV3Lessons.com, Last edit 12/19/2015</a:t>
             </a:r>
             <a:endParaRPr lang="en-US" dirty="0"/>
           </a:p>
@@ -10601,7 +10269,7 @@
     </p:spTree>
     <p:extLst>
       <p:ext uri="{BB962C8B-B14F-4D97-AF65-F5344CB8AC3E}">
-        <p14:creationId xmlns="" xmlns:p14="http://schemas.microsoft.com/office/powerpoint/2010/main" val="2056235866"/>
+        <p14:creationId xmlns:p14="http://schemas.microsoft.com/office/powerpoint/2010/main" val="2056235866"/>
       </p:ext>
     </p:extLst>
   </p:cSld>
@@ -10777,7 +10445,7 @@
           <a:blip r:embed="rId2" cstate="email">
             <a:extLst>
               <a:ext uri="{28A0092B-C50C-407E-A947-70E740481C1C}">
-                <a14:useLocalDpi xmlns="" xmlns:a14="http://schemas.microsoft.com/office/drawing/2010/main" val="0"/>
+                <a14:useLocalDpi xmlns:a14="http://schemas.microsoft.com/office/drawing/2010/main" val="0"/>
               </a:ext>
             </a:extLst>
           </a:blip>
@@ -10815,8 +10483,8 @@
           <a:lstStyle/>
           <a:p>
             <a:r>
-              <a:rPr lang="en-US" dirty="0" smtClean="0"/>
-              <a:t>© 2015 EV3Lessons.com, Last edit 5/30/2015</a:t>
+              <a:rPr lang="sk-SK" smtClean="0"/>
+              <a:t>© 2015 EV3Lessons.com, Last edit 12/19/2015</a:t>
             </a:r>
             <a:endParaRPr lang="en-US" dirty="0"/>
           </a:p>
@@ -10825,7 +10493,7 @@
     </p:spTree>
     <p:extLst>
       <p:ext uri="{BB962C8B-B14F-4D97-AF65-F5344CB8AC3E}">
-        <p14:creationId xmlns="" xmlns:p14="http://schemas.microsoft.com/office/powerpoint/2010/main" val="1615374908"/>
+        <p14:creationId xmlns:p14="http://schemas.microsoft.com/office/powerpoint/2010/main" val="1615374908"/>
       </p:ext>
     </p:extLst>
   </p:cSld>
@@ -11056,8 +10724,8 @@
           <a:lstStyle/>
           <a:p>
             <a:r>
-              <a:rPr lang="en-US" dirty="0" smtClean="0"/>
-              <a:t>© 2015 EV3Lessons.com, Last edit 5/30/2015</a:t>
+              <a:rPr lang="sk-SK" smtClean="0"/>
+              <a:t>© 2015 EV3Lessons.com, Last edit 12/19/2015</a:t>
             </a:r>
             <a:endParaRPr lang="en-US" dirty="0"/>
           </a:p>
@@ -11066,7 +10734,7 @@
     </p:spTree>
     <p:extLst>
       <p:ext uri="{BB962C8B-B14F-4D97-AF65-F5344CB8AC3E}">
-        <p14:creationId xmlns="" xmlns:p14="http://schemas.microsoft.com/office/powerpoint/2010/main" val="192053664"/>
+        <p14:creationId xmlns:p14="http://schemas.microsoft.com/office/powerpoint/2010/main" val="192053664"/>
       </p:ext>
     </p:extLst>
   </p:cSld>
@@ -11138,7 +10806,7 @@
         </p:spPr>
         <p:txBody>
           <a:bodyPr>
-            <a:normAutofit fontScale="92500"/>
+            <a:normAutofit/>
           </a:bodyPr>
           <a:lstStyle/>
           <a:p>
@@ -11164,14 +10832,6 @@
               <a:rPr lang="es-ES" dirty="0" smtClean="0"/>
               <a:t>Seguidor de línea: Uso del control proporcional con el sensor de luz para conseguir que el robot siga la línea suavemente. (Más detalles en la lección del Seguidor de Línea Proporcional)</a:t>
             </a:r>
-          </a:p>
-          <a:p>
-            <a:pPr lvl="1"/>
-            <a:r>
-              <a:rPr lang="es-ES" dirty="0" smtClean="0"/>
-              <a:t>Sensor giroscópico: Uso del control proporcional con el sensor giroscópico para conseguir que el robot gire con precisión a un ángulo objetivo.</a:t>
-            </a:r>
-            <a:endParaRPr lang="es-ES" b="0" dirty="0" smtClean="0"/>
           </a:p>
         </p:txBody>
       </p:sp>
@@ -11220,8 +10880,8 @@
           <a:lstStyle/>
           <a:p>
             <a:r>
-              <a:rPr lang="en-US" dirty="0" smtClean="0"/>
-              <a:t>© 2015 EV3Lessons.com, Last edit 5/30/2015</a:t>
+              <a:rPr lang="sk-SK" smtClean="0"/>
+              <a:t>© 2015 EV3Lessons.com, Last edit 12/19/2015</a:t>
             </a:r>
             <a:endParaRPr lang="en-US" dirty="0"/>
           </a:p>
@@ -11230,7 +10890,7 @@
     </p:spTree>
     <p:extLst>
       <p:ext uri="{BB962C8B-B14F-4D97-AF65-F5344CB8AC3E}">
-        <p14:creationId xmlns="" xmlns:p14="http://schemas.microsoft.com/office/powerpoint/2010/main" val="3803221312"/>
+        <p14:creationId xmlns:p14="http://schemas.microsoft.com/office/powerpoint/2010/main" val="3803221312"/>
       </p:ext>
     </p:extLst>
   </p:cSld>
@@ -11297,14 +10957,14 @@
           <p:nvPr>
             <p:extLst>
               <p:ext uri="{D42A27DB-BD31-4B8C-83A1-F6EECF244321}">
-                <p14:modId xmlns="" xmlns:p14="http://schemas.microsoft.com/office/powerpoint/2010/main" val="3223710304"/>
+                <p14:modId xmlns:p14="http://schemas.microsoft.com/office/powerpoint/2010/main" val="1432393721"/>
               </p:ext>
             </p:extLst>
           </p:nvPr>
         </p:nvGraphicFramePr>
         <p:xfrm>
           <a:off x="602341" y="2087843"/>
-          <a:ext cx="7870372" cy="3937000"/>
+          <a:ext cx="7870372" cy="3022600"/>
         </p:xfrm>
         <a:graphic>
           <a:graphicData uri="http://schemas.openxmlformats.org/drawingml/2006/table">
@@ -11579,80 +11239,6 @@
                   <a:tcPr/>
                 </a:tc>
               </a:tr>
-              <a:tr h="370840">
-                <a:tc>
-                  <a:txBody>
-                    <a:bodyPr/>
-                    <a:lstStyle/>
-                    <a:p>
-                      <a:r>
-                        <a:rPr lang="es-ES" b="1" noProof="0" dirty="0" smtClean="0"/>
-                        <a:t>Sensor giroscópico</a:t>
-                      </a:r>
-                      <a:endParaRPr lang="es-ES" b="1" noProof="0" dirty="0"/>
-                    </a:p>
-                  </a:txBody>
-                  <a:tcPr/>
-                </a:tc>
-                <a:tc>
-                  <a:txBody>
-                    <a:bodyPr/>
-                    <a:lstStyle/>
-                    <a:p>
-                      <a:r>
-                        <a:rPr lang="es-ES" noProof="0" dirty="0" smtClean="0"/>
-                        <a:t>Giro a un</a:t>
-                      </a:r>
-                      <a:r>
-                        <a:rPr lang="es-ES" baseline="0" noProof="0" dirty="0" smtClean="0"/>
-                        <a:t> ángulo objetivo</a:t>
-                      </a:r>
-                      <a:endParaRPr lang="es-ES" noProof="0" dirty="0"/>
-                    </a:p>
-                  </a:txBody>
-                  <a:tcPr/>
-                </a:tc>
-                <a:tc>
-                  <a:txBody>
-                    <a:bodyPr/>
-                    <a:lstStyle/>
-                    <a:p>
-                      <a:r>
-                        <a:rPr lang="es-ES" noProof="0" dirty="0" smtClean="0"/>
-                        <a:t>Número</a:t>
-                      </a:r>
-                      <a:r>
-                        <a:rPr lang="es-ES" baseline="0" noProof="0" dirty="0" smtClean="0"/>
-                        <a:t> de </a:t>
-                      </a:r>
-                      <a:r>
-                        <a:rPr lang="es-ES" noProof="0" dirty="0" smtClean="0"/>
-                        <a:t>grados hasta el ángulo</a:t>
-                      </a:r>
-                      <a:r>
-                        <a:rPr lang="es-ES" baseline="0" noProof="0" dirty="0" smtClean="0"/>
-                        <a:t> objetivo</a:t>
-                      </a:r>
-                      <a:endParaRPr lang="es-ES" noProof="0" dirty="0"/>
-                    </a:p>
-                  </a:txBody>
-                  <a:tcPr/>
-                </a:tc>
-                <a:tc>
-                  <a:txBody>
-                    <a:bodyPr/>
-                    <a:lstStyle/>
-                    <a:p>
-                      <a:r>
-                        <a:rPr lang="es-ES" noProof="0" dirty="0" smtClean="0"/>
-                        <a:t>Giro más rápido en función de los grados restantes</a:t>
-                      </a:r>
-                      <a:endParaRPr lang="es-ES" noProof="0" dirty="0"/>
-                    </a:p>
-                  </a:txBody>
-                  <a:tcPr/>
-                </a:tc>
-              </a:tr>
             </a:tbl>
           </a:graphicData>
         </a:graphic>
@@ -11702,8 +11288,8 @@
           <a:lstStyle/>
           <a:p>
             <a:r>
-              <a:rPr lang="en-US" dirty="0" smtClean="0"/>
-              <a:t>© 2015 EV3Lessons.com, Last edit 5/30/2015</a:t>
+              <a:rPr lang="sk-SK" smtClean="0"/>
+              <a:t>© 2015 EV3Lessons.com, Last edit 12/19/2015</a:t>
             </a:r>
             <a:endParaRPr lang="en-US" dirty="0"/>
           </a:p>
@@ -11712,7 +11298,7 @@
     </p:spTree>
     <p:extLst>
       <p:ext uri="{BB962C8B-B14F-4D97-AF65-F5344CB8AC3E}">
-        <p14:creationId xmlns="" xmlns:p14="http://schemas.microsoft.com/office/powerpoint/2010/main" val="2003391859"/>
+        <p14:creationId xmlns:p14="http://schemas.microsoft.com/office/powerpoint/2010/main" val="2003391859"/>
       </p:ext>
     </p:extLst>
   </p:cSld>
@@ -11843,8 +11429,8 @@
           <a:lstStyle/>
           <a:p>
             <a:r>
-              <a:rPr lang="en-US" dirty="0" smtClean="0"/>
-              <a:t>© 2015 EV3Lessons.com, Last edit 5/30/2015</a:t>
+              <a:rPr lang="sk-SK" smtClean="0"/>
+              <a:t>© 2015 EV3Lessons.com, Last edit 12/19/2015</a:t>
             </a:r>
             <a:endParaRPr lang="en-US" dirty="0"/>
           </a:p>
@@ -11853,7 +11439,7 @@
     </p:spTree>
     <p:extLst>
       <p:ext uri="{BB962C8B-B14F-4D97-AF65-F5344CB8AC3E}">
-        <p14:creationId xmlns="" xmlns:p14="http://schemas.microsoft.com/office/powerpoint/2010/main" val="407979337"/>
+        <p14:creationId xmlns:p14="http://schemas.microsoft.com/office/powerpoint/2010/main" val="407979337"/>
       </p:ext>
     </p:extLst>
   </p:cSld>
@@ -11984,8 +11570,8 @@
           <a:lstStyle/>
           <a:p>
             <a:r>
-              <a:rPr lang="en-US" dirty="0" smtClean="0"/>
-              <a:t>© 2015 EV3Lessons.com, Last edit 5/30/2015</a:t>
+              <a:rPr lang="sk-SK" smtClean="0"/>
+              <a:t>© 2015 EV3Lessons.com, Last edit 12/19/2015</a:t>
             </a:r>
             <a:endParaRPr lang="en-US" dirty="0"/>
           </a:p>
@@ -11994,7 +11580,7 @@
     </p:spTree>
     <p:extLst>
       <p:ext uri="{BB962C8B-B14F-4D97-AF65-F5344CB8AC3E}">
-        <p14:creationId xmlns="" xmlns:p14="http://schemas.microsoft.com/office/powerpoint/2010/main" val="842480021"/>
+        <p14:creationId xmlns:p14="http://schemas.microsoft.com/office/powerpoint/2010/main" val="842480021"/>
       </p:ext>
     </p:extLst>
   </p:cSld>
@@ -12028,62 +11614,107 @@
           <a:chExt cx="0" cy="0"/>
         </a:xfrm>
       </p:grpSpPr>
-      <p:pic>
-        <p:nvPicPr>
-          <p:cNvPr id="3074" name="Picture 2"/>
-          <p:cNvPicPr>
-            <a:picLocks noChangeAspect="1" noChangeArrowheads="1"/>
-          </p:cNvPicPr>
-          <p:nvPr/>
-        </p:nvPicPr>
-        <p:blipFill>
-          <a:blip r:embed="rId2" cstate="print"/>
-          <a:srcRect/>
-          <a:stretch>
-            <a:fillRect/>
-          </a:stretch>
-        </p:blipFill>
-        <p:spPr bwMode="auto">
+      <p:sp>
+        <p:nvSpPr>
+          <p:cNvPr id="2" name="Title 1"/>
+          <p:cNvSpPr>
+            <a:spLocks noGrp="1"/>
+          </p:cNvSpPr>
+          <p:nvPr>
+            <p:ph type="title"/>
+          </p:nvPr>
+        </p:nvSpPr>
+        <p:spPr/>
+        <p:txBody>
+          <a:bodyPr/>
+          <a:lstStyle/>
+          <a:p>
+            <a:r>
+              <a:rPr lang="es-ES" dirty="0" smtClean="0"/>
+              <a:t>Guía de discusión</a:t>
+            </a:r>
+            <a:endParaRPr lang="es-ES" dirty="0"/>
+          </a:p>
+        </p:txBody>
+      </p:sp>
+      <p:sp>
+        <p:nvSpPr>
+          <p:cNvPr id="3" name="Content Placeholder 2"/>
+          <p:cNvSpPr>
+            <a:spLocks noGrp="1"/>
+          </p:cNvSpPr>
+          <p:nvPr>
+            <p:ph idx="1"/>
+          </p:nvPr>
+        </p:nvSpPr>
+        <p:spPr>
           <a:xfrm>
-            <a:off x="1508166" y="1720181"/>
-            <a:ext cx="6798293" cy="4887798"/>
+            <a:off x="508001" y="2133600"/>
+            <a:ext cx="8350250" cy="3992563"/>
           </a:xfrm>
-          <a:prstGeom prst="rect">
-            <a:avLst/>
-          </a:prstGeom>
-          <a:noFill/>
-          <a:ln w="9525">
-            <a:noFill/>
-            <a:miter lim="800000"/>
-            <a:headEnd/>
-            <a:tailEnd/>
-          </a:ln>
         </p:spPr>
-      </p:pic>
-      <p:sp>
-        <p:nvSpPr>
-          <p:cNvPr id="2" name="Title 1"/>
-          <p:cNvSpPr>
-            <a:spLocks noGrp="1"/>
-          </p:cNvSpPr>
-          <p:nvPr>
-            <p:ph type="title"/>
-          </p:nvPr>
-        </p:nvSpPr>
-        <p:spPr>
-          <a:noFill/>
-        </p:spPr>
-        <p:txBody>
-          <a:bodyPr>
-            <a:noAutofit/>
-          </a:bodyPr>
+        <p:txBody>
+          <a:bodyPr/>
           <a:lstStyle/>
           <a:p>
-            <a:r>
-              <a:rPr lang="es-ES" sz="3200" dirty="0" smtClean="0"/>
-              <a:t>Solución: Giro a izquierda (sensor giroscópico)</a:t>
-            </a:r>
-            <a:endParaRPr lang="es-ES" sz="3200" dirty="0"/>
+            <a:pPr marL="457200" indent="-457200">
+              <a:buFont typeface="+mj-lt"/>
+              <a:buAutoNum type="arabicPeriod"/>
+            </a:pPr>
+            <a:r>
+              <a:rPr lang="es-ES" dirty="0" smtClean="0">
+                <a:solidFill>
+                  <a:srgbClr val="FF0000"/>
+                </a:solidFill>
+              </a:rPr>
+              <a:t>¿Qué significa Control Proporcional?</a:t>
+            </a:r>
+            <a:br>
+              <a:rPr lang="es-ES" dirty="0" smtClean="0">
+                <a:solidFill>
+                  <a:srgbClr val="FF0000"/>
+                </a:solidFill>
+              </a:rPr>
+            </a:br>
+            <a:r>
+              <a:rPr lang="es-ES" dirty="0" smtClean="0"/>
+              <a:t>Respuesta. Movimiento más o menos rápido del robot en función de la distancia de éste al objetivo</a:t>
+            </a:r>
+          </a:p>
+          <a:p>
+            <a:pPr marL="457200" indent="-457200">
+              <a:buFont typeface="+mj-lt"/>
+              <a:buAutoNum type="arabicPeriod"/>
+            </a:pPr>
+            <a:r>
+              <a:rPr lang="es-ES" dirty="0" smtClean="0">
+                <a:solidFill>
+                  <a:srgbClr val="FF0000"/>
+                </a:solidFill>
+              </a:rPr>
+              <a:t>¿Qué tienen todos los códigos de Control Proporcional en común?</a:t>
+            </a:r>
+            <a:br>
+              <a:rPr lang="es-ES" dirty="0" smtClean="0">
+                <a:solidFill>
+                  <a:srgbClr val="FF0000"/>
+                </a:solidFill>
+              </a:rPr>
+            </a:br>
+            <a:r>
+              <a:rPr lang="es-ES" dirty="0" smtClean="0"/>
+              <a:t>Respuesta. Todos calculan un error y aplican una corrección</a:t>
+            </a:r>
+          </a:p>
+          <a:p>
+            <a:pPr marL="457200" indent="-457200">
+              <a:buFont typeface="+mj-lt"/>
+              <a:buAutoNum type="arabicPeriod"/>
+            </a:pPr>
+            <a:endParaRPr lang="es-ES" dirty="0" smtClean="0"/>
+          </a:p>
+          <a:p>
+            <a:endParaRPr lang="es-ES" dirty="0"/>
           </a:p>
         </p:txBody>
       </p:sp>
@@ -12113,279 +11744,7 @@
       </p:sp>
       <p:sp>
         <p:nvSpPr>
-          <p:cNvPr id="6" name="Content Placeholder 2"/>
-          <p:cNvSpPr txBox="1">
-            <a:spLocks/>
-          </p:cNvSpPr>
-          <p:nvPr/>
-        </p:nvSpPr>
-        <p:spPr>
-          <a:xfrm>
-            <a:off x="199698" y="4635501"/>
-            <a:ext cx="2633424" cy="1880894"/>
-          </a:xfrm>
-          <a:prstGeom prst="rect">
-            <a:avLst/>
-          </a:prstGeom>
-          <a:solidFill>
-            <a:srgbClr val="92D050"/>
-          </a:solidFill>
-        </p:spPr>
-        <p:txBody>
-          <a:bodyPr vert="horz" lIns="91440" tIns="45720" rIns="91440" bIns="45720" rtlCol="0">
-            <a:noAutofit/>
-          </a:bodyPr>
-          <a:lstStyle>
-            <a:lvl1pPr marL="454025" indent="-454025" algn="l" defTabSz="914400" rtl="0" eaLnBrk="1" latinLnBrk="0" hangingPunct="1">
-              <a:spcBef>
-                <a:spcPts val="2000"/>
-              </a:spcBef>
-              <a:buClr>
-                <a:schemeClr val="bg1">
-                  <a:lumMod val="65000"/>
-                </a:schemeClr>
-              </a:buClr>
-              <a:buSzPct val="90000"/>
-              <a:buFont typeface="Wingdings" pitchFamily="2" charset="2"/>
-              <a:buChar char=""/>
-              <a:defRPr sz="2400" kern="1200">
-                <a:solidFill>
-                  <a:schemeClr val="tx1">
-                    <a:lumMod val="85000"/>
-                    <a:lumOff val="15000"/>
-                  </a:schemeClr>
-                </a:solidFill>
-                <a:latin typeface="+mn-lt"/>
-                <a:ea typeface="+mn-ea"/>
-                <a:cs typeface="+mn-cs"/>
-              </a:defRPr>
-            </a:lvl1pPr>
-            <a:lvl2pPr marL="914400" indent="-457200" algn="l" defTabSz="914400" rtl="0" eaLnBrk="1" latinLnBrk="0" hangingPunct="1">
-              <a:spcBef>
-                <a:spcPts val="600"/>
-              </a:spcBef>
-              <a:buClr>
-                <a:schemeClr val="tx1">
-                  <a:lumMod val="75000"/>
-                  <a:lumOff val="25000"/>
-                </a:schemeClr>
-              </a:buClr>
-              <a:buSzPct val="90000"/>
-              <a:buFont typeface="Wingdings" pitchFamily="2" charset="2"/>
-              <a:buChar char=""/>
-              <a:defRPr sz="2200" kern="1200">
-                <a:solidFill>
-                  <a:schemeClr val="tx1">
-                    <a:lumMod val="85000"/>
-                    <a:lumOff val="15000"/>
-                  </a:schemeClr>
-                </a:solidFill>
-                <a:latin typeface="+mn-lt"/>
-                <a:ea typeface="+mn-ea"/>
-                <a:cs typeface="+mn-cs"/>
-              </a:defRPr>
-            </a:lvl2pPr>
-            <a:lvl3pPr marL="1260475" indent="-346075" algn="l" defTabSz="914400" rtl="0" eaLnBrk="1" latinLnBrk="0" hangingPunct="1">
-              <a:spcBef>
-                <a:spcPts val="600"/>
-              </a:spcBef>
-              <a:buClr>
-                <a:schemeClr val="bg1">
-                  <a:lumMod val="65000"/>
-                </a:schemeClr>
-              </a:buClr>
-              <a:buSzPct val="90000"/>
-              <a:buFont typeface="Wingdings" pitchFamily="2" charset="2"/>
-              <a:buChar char=""/>
-              <a:defRPr sz="2000" kern="1200">
-                <a:solidFill>
-                  <a:schemeClr val="tx1">
-                    <a:lumMod val="85000"/>
-                    <a:lumOff val="15000"/>
-                  </a:schemeClr>
-                </a:solidFill>
-                <a:latin typeface="+mn-lt"/>
-                <a:ea typeface="+mn-ea"/>
-                <a:cs typeface="+mn-cs"/>
-              </a:defRPr>
-            </a:lvl3pPr>
-            <a:lvl4pPr marL="1600200" indent="-339725" algn="l" defTabSz="914400" rtl="0" eaLnBrk="1" latinLnBrk="0" hangingPunct="1">
-              <a:spcBef>
-                <a:spcPts val="600"/>
-              </a:spcBef>
-              <a:buClr>
-                <a:schemeClr val="tx1">
-                  <a:lumMod val="75000"/>
-                  <a:lumOff val="25000"/>
-                </a:schemeClr>
-              </a:buClr>
-              <a:buSzPct val="90000"/>
-              <a:buFont typeface="Wingdings" pitchFamily="2" charset="2"/>
-              <a:buChar char=""/>
-              <a:defRPr sz="1800" kern="1200">
-                <a:solidFill>
-                  <a:schemeClr val="tx1">
-                    <a:lumMod val="85000"/>
-                    <a:lumOff val="15000"/>
-                  </a:schemeClr>
-                </a:solidFill>
-                <a:latin typeface="+mn-lt"/>
-                <a:ea typeface="+mn-ea"/>
-                <a:cs typeface="+mn-cs"/>
-              </a:defRPr>
-            </a:lvl4pPr>
-            <a:lvl5pPr marL="1939925" indent="-331788" algn="l" defTabSz="914400" rtl="0" eaLnBrk="1" latinLnBrk="0" hangingPunct="1">
-              <a:spcBef>
-                <a:spcPts val="600"/>
-              </a:spcBef>
-              <a:buClr>
-                <a:schemeClr val="bg1">
-                  <a:lumMod val="65000"/>
-                </a:schemeClr>
-              </a:buClr>
-              <a:buSzPct val="90000"/>
-              <a:buFont typeface="Wingdings" pitchFamily="2" charset="2"/>
-              <a:buChar char=""/>
-              <a:defRPr sz="1800" kern="1200">
-                <a:solidFill>
-                  <a:schemeClr val="tx1">
-                    <a:lumMod val="85000"/>
-                    <a:lumOff val="15000"/>
-                  </a:schemeClr>
-                </a:solidFill>
-                <a:latin typeface="+mn-lt"/>
-                <a:ea typeface="+mn-ea"/>
-                <a:cs typeface="+mn-cs"/>
-              </a:defRPr>
-            </a:lvl5pPr>
-            <a:lvl6pPr marL="2290763" indent="-344488" algn="l" defTabSz="914400" rtl="0" eaLnBrk="1" latinLnBrk="0" hangingPunct="1">
-              <a:spcBef>
-                <a:spcPts val="600"/>
-              </a:spcBef>
-              <a:buClr>
-                <a:schemeClr val="tx1">
-                  <a:lumMod val="75000"/>
-                  <a:lumOff val="25000"/>
-                </a:schemeClr>
-              </a:buClr>
-              <a:buSzPct val="90000"/>
-              <a:buFont typeface="Wingdings" pitchFamily="2" charset="2"/>
-              <a:buChar char=""/>
-              <a:defRPr lang="en-US" sz="1800" kern="1200" dirty="0" smtClean="0">
-                <a:solidFill>
-                  <a:schemeClr val="tx1">
-                    <a:lumMod val="85000"/>
-                    <a:lumOff val="15000"/>
-                  </a:schemeClr>
-                </a:solidFill>
-                <a:latin typeface="+mn-lt"/>
-                <a:ea typeface="+mn-ea"/>
-                <a:cs typeface="+mn-cs"/>
-              </a:defRPr>
-            </a:lvl6pPr>
-            <a:lvl7pPr marL="2625725" indent="-344488" algn="l" defTabSz="914400" rtl="0" eaLnBrk="1" latinLnBrk="0" hangingPunct="1">
-              <a:spcBef>
-                <a:spcPts val="600"/>
-              </a:spcBef>
-              <a:buClr>
-                <a:schemeClr val="bg1">
-                  <a:lumMod val="65000"/>
-                </a:schemeClr>
-              </a:buClr>
-              <a:buSzPct val="90000"/>
-              <a:buFont typeface="Wingdings" pitchFamily="2" charset="2"/>
-              <a:buChar char=""/>
-              <a:defRPr lang="en-US" sz="1800" kern="1200" dirty="0" smtClean="0">
-                <a:solidFill>
-                  <a:schemeClr val="tx1">
-                    <a:lumMod val="85000"/>
-                    <a:lumOff val="15000"/>
-                  </a:schemeClr>
-                </a:solidFill>
-                <a:latin typeface="+mn-lt"/>
-                <a:ea typeface="+mn-ea"/>
-                <a:cs typeface="+mn-cs"/>
-              </a:defRPr>
-            </a:lvl7pPr>
-            <a:lvl8pPr marL="2970213" indent="-344488" algn="l" defTabSz="914400" rtl="0" eaLnBrk="1" latinLnBrk="0" hangingPunct="1">
-              <a:spcBef>
-                <a:spcPts val="600"/>
-              </a:spcBef>
-              <a:buClr>
-                <a:schemeClr val="tx1">
-                  <a:lumMod val="75000"/>
-                  <a:lumOff val="25000"/>
-                </a:schemeClr>
-              </a:buClr>
-              <a:buSzPct val="90000"/>
-              <a:buFont typeface="Wingdings" pitchFamily="2" charset="2"/>
-              <a:buChar char=""/>
-              <a:defRPr lang="en-US" sz="1800" kern="1200" dirty="0" smtClean="0">
-                <a:solidFill>
-                  <a:schemeClr val="tx1">
-                    <a:lumMod val="85000"/>
-                    <a:lumOff val="15000"/>
-                  </a:schemeClr>
-                </a:solidFill>
-                <a:latin typeface="+mn-lt"/>
-                <a:ea typeface="+mn-ea"/>
-                <a:cs typeface="+mn-cs"/>
-              </a:defRPr>
-            </a:lvl8pPr>
-            <a:lvl9pPr marL="3313113" indent="-344488" algn="l" defTabSz="914400" rtl="0" eaLnBrk="1" latinLnBrk="0" hangingPunct="1">
-              <a:spcBef>
-                <a:spcPts val="600"/>
-              </a:spcBef>
-              <a:buClr>
-                <a:schemeClr val="bg1">
-                  <a:lumMod val="65000"/>
-                </a:schemeClr>
-              </a:buClr>
-              <a:buSzPct val="90000"/>
-              <a:buFont typeface="Wingdings" pitchFamily="2" charset="2"/>
-              <a:buChar char=""/>
-              <a:defRPr lang="en-US" sz="1800" kern="1200" dirty="0">
-                <a:solidFill>
-                  <a:schemeClr val="tx1">
-                    <a:lumMod val="85000"/>
-                    <a:lumOff val="15000"/>
-                  </a:schemeClr>
-                </a:solidFill>
-                <a:latin typeface="+mn-lt"/>
-                <a:ea typeface="+mn-ea"/>
-                <a:cs typeface="+mn-cs"/>
-              </a:defRPr>
-            </a:lvl9pPr>
-          </a:lstStyle>
-          <a:p>
-            <a:pPr marL="0" indent="0">
-              <a:buNone/>
-            </a:pPr>
-            <a:r>
-              <a:rPr lang="es-ES" sz="1200" dirty="0" smtClean="0">
-                <a:solidFill>
-                  <a:srgbClr val="FF0000"/>
-                </a:solidFill>
-              </a:rPr>
-              <a:t>¿Por qué un bloque matemático Suma en el giro a izquierda? Siempre calculamos OBJETIVO-VALOR ACTUAL. Así que ¿por qué  ahora un bloque SUMA?  Cuando giramos a la izquierda, el sensor giroscópico nos devuelve valores negativos.  En matemáticas, sumar un valor negativo es como restarlo. Éste es el motivo para usar un bloque  SUMA. </a:t>
-            </a:r>
-          </a:p>
-          <a:p>
-            <a:pPr marL="0" indent="0">
-              <a:buFont typeface="Wingdings" pitchFamily="2" charset="2"/>
-              <a:buNone/>
-            </a:pPr>
-            <a:endParaRPr lang="es-ES" sz="1200" dirty="0">
-              <a:solidFill>
-                <a:srgbClr val="FF0000"/>
-              </a:solidFill>
-            </a:endParaRPr>
-          </a:p>
-        </p:txBody>
-      </p:sp>
-      <p:sp>
-        <p:nvSpPr>
-          <p:cNvPr id="9" name="Footer Placeholder 3"/>
+          <p:cNvPr id="6" name="Footer Placeholder 3"/>
           <p:cNvSpPr>
             <a:spLocks noGrp="1"/>
           </p:cNvSpPr>
@@ -12404,8 +11763,8 @@
           <a:lstStyle/>
           <a:p>
             <a:r>
-              <a:rPr lang="en-US" dirty="0" smtClean="0"/>
-              <a:t>© 2015 EV3Lessons.com, Last edit 5/30/2015</a:t>
+              <a:rPr lang="sk-SK" smtClean="0"/>
+              <a:t>© 2015 EV3Lessons.com, Last edit 12/19/2015</a:t>
             </a:r>
             <a:endParaRPr lang="en-US" dirty="0"/>
           </a:p>
@@ -12414,20 +11773,13 @@
     </p:spTree>
     <p:extLst>
       <p:ext uri="{BB962C8B-B14F-4D97-AF65-F5344CB8AC3E}">
-        <p14:creationId xmlns="" xmlns:p14="http://schemas.microsoft.com/office/powerpoint/2010/main" val="3838014035"/>
+        <p14:creationId xmlns:p14="http://schemas.microsoft.com/office/powerpoint/2010/main" val="1547944288"/>
       </p:ext>
     </p:extLst>
   </p:cSld>
   <p:clrMapOvr>
     <a:masterClrMapping/>
   </p:clrMapOvr>
-  <p:timing>
-    <p:tnLst>
-      <p:par>
-        <p:cTn id="1" dur="indefinite" restart="never" nodeType="tmRoot"/>
-      </p:par>
-    </p:tnLst>
-  </p:timing>
 </p:sld>
 </file>
 
